--- a/materials/slides/ch11-basic-shell-script-variables.pptx
+++ b/materials/slides/ch11-basic-shell-script-variables.pptx
@@ -214,7 +214,7 @@
           <a:p>
             <a:fld id="{4E40E184-71B1-4987-AC10-28E614CE9C55}" type="datetimeFigureOut">
               <a:rPr lang="zh-CN" altLang="en-US" smtClean="0"/>
-              <a:t>2018/5/14</a:t>
+              <a:t>2018/5/17</a:t>
             </a:fld>
             <a:endParaRPr lang="zh-CN" altLang="en-US"/>
           </a:p>
@@ -720,7 +720,7 @@
           <a:p>
             <a:fld id="{02E60DA2-A0BC-48C9-AA88-75C78721B420}" type="datetimeFigureOut">
               <a:rPr lang="zh-CN" altLang="en-US" smtClean="0"/>
-              <a:t>2018/5/14</a:t>
+              <a:t>2018/5/17</a:t>
             </a:fld>
             <a:endParaRPr lang="zh-CN" altLang="en-US"/>
           </a:p>
@@ -942,7 +942,7 @@
           <a:p>
             <a:fld id="{02E60DA2-A0BC-48C9-AA88-75C78721B420}" type="datetimeFigureOut">
               <a:rPr lang="zh-CN" altLang="en-US" smtClean="0"/>
-              <a:t>2018/5/14</a:t>
+              <a:t>2018/5/17</a:t>
             </a:fld>
             <a:endParaRPr lang="zh-CN" altLang="en-US"/>
           </a:p>
@@ -1174,7 +1174,7 @@
           <a:p>
             <a:fld id="{02E60DA2-A0BC-48C9-AA88-75C78721B420}" type="datetimeFigureOut">
               <a:rPr lang="zh-CN" altLang="en-US" smtClean="0"/>
-              <a:t>2018/5/14</a:t>
+              <a:t>2018/5/17</a:t>
             </a:fld>
             <a:endParaRPr lang="zh-CN" altLang="en-US"/>
           </a:p>
@@ -1424,7 +1424,7 @@
           <a:p>
             <a:fld id="{02E60DA2-A0BC-48C9-AA88-75C78721B420}" type="datetimeFigureOut">
               <a:rPr lang="zh-CN" altLang="en-US" smtClean="0"/>
-              <a:t>2018/5/14</a:t>
+              <a:t>2018/5/17</a:t>
             </a:fld>
             <a:endParaRPr lang="zh-CN" altLang="en-US"/>
           </a:p>
@@ -1662,7 +1662,7 @@
           <a:p>
             <a:fld id="{02E60DA2-A0BC-48C9-AA88-75C78721B420}" type="datetimeFigureOut">
               <a:rPr lang="zh-CN" altLang="en-US" smtClean="0"/>
-              <a:t>2018/5/14</a:t>
+              <a:t>2018/5/17</a:t>
             </a:fld>
             <a:endParaRPr lang="zh-CN" altLang="en-US"/>
           </a:p>
@@ -1967,7 +1967,7 @@
           <a:p>
             <a:fld id="{02E60DA2-A0BC-48C9-AA88-75C78721B420}" type="datetimeFigureOut">
               <a:rPr lang="zh-CN" altLang="en-US" smtClean="0"/>
-              <a:t>2018/5/14</a:t>
+              <a:t>2018/5/17</a:t>
             </a:fld>
             <a:endParaRPr lang="zh-CN" altLang="en-US"/>
           </a:p>
@@ -2270,7 +2270,7 @@
           <a:p>
             <a:fld id="{02E60DA2-A0BC-48C9-AA88-75C78721B420}" type="datetimeFigureOut">
               <a:rPr lang="zh-CN" altLang="en-US" smtClean="0"/>
-              <a:t>2018/5/14</a:t>
+              <a:t>2018/5/17</a:t>
             </a:fld>
             <a:endParaRPr lang="zh-CN" altLang="en-US"/>
           </a:p>
@@ -2721,7 +2721,7 @@
           <a:p>
             <a:fld id="{02E60DA2-A0BC-48C9-AA88-75C78721B420}" type="datetimeFigureOut">
               <a:rPr lang="zh-CN" altLang="en-US" smtClean="0"/>
-              <a:t>2018/5/14</a:t>
+              <a:t>2018/5/17</a:t>
             </a:fld>
             <a:endParaRPr lang="zh-CN" altLang="en-US"/>
           </a:p>
@@ -2894,7 +2894,7 @@
           <a:p>
             <a:fld id="{02E60DA2-A0BC-48C9-AA88-75C78721B420}" type="datetimeFigureOut">
               <a:rPr lang="zh-CN" altLang="en-US" smtClean="0"/>
-              <a:t>2018/5/14</a:t>
+              <a:t>2018/5/17</a:t>
             </a:fld>
             <a:endParaRPr lang="zh-CN" altLang="en-US"/>
           </a:p>
@@ -3031,7 +3031,7 @@
           <a:p>
             <a:fld id="{02E60DA2-A0BC-48C9-AA88-75C78721B420}" type="datetimeFigureOut">
               <a:rPr lang="zh-CN" altLang="en-US" smtClean="0"/>
-              <a:t>2018/5/14</a:t>
+              <a:t>2018/5/17</a:t>
             </a:fld>
             <a:endParaRPr lang="zh-CN" altLang="en-US"/>
           </a:p>
@@ -3375,7 +3375,7 @@
           <a:p>
             <a:fld id="{02E60DA2-A0BC-48C9-AA88-75C78721B420}" type="datetimeFigureOut">
               <a:rPr lang="zh-CN" altLang="en-US" smtClean="0"/>
-              <a:t>2018/5/14</a:t>
+              <a:t>2018/5/17</a:t>
             </a:fld>
             <a:endParaRPr lang="zh-CN" altLang="en-US"/>
           </a:p>
@@ -3597,7 +3597,7 @@
           <a:p>
             <a:fld id="{02E60DA2-A0BC-48C9-AA88-75C78721B420}" type="datetimeFigureOut">
               <a:rPr lang="zh-CN" altLang="en-US" smtClean="0"/>
-              <a:t>2018/5/14</a:t>
+              <a:t>2018/5/17</a:t>
             </a:fld>
             <a:endParaRPr lang="zh-CN" altLang="en-US"/>
           </a:p>
@@ -3918,7 +3918,7 @@
           <a:p>
             <a:fld id="{02E60DA2-A0BC-48C9-AA88-75C78721B420}" type="datetimeFigureOut">
               <a:rPr lang="zh-CN" altLang="en-US" smtClean="0"/>
-              <a:t>2018/5/14</a:t>
+              <a:t>2018/5/17</a:t>
             </a:fld>
             <a:endParaRPr lang="zh-CN" altLang="en-US"/>
           </a:p>
@@ -4156,7 +4156,7 @@
           <a:p>
             <a:fld id="{02E60DA2-A0BC-48C9-AA88-75C78721B420}" type="datetimeFigureOut">
               <a:rPr lang="zh-CN" altLang="en-US" smtClean="0"/>
-              <a:t>2018/5/14</a:t>
+              <a:t>2018/5/17</a:t>
             </a:fld>
             <a:endParaRPr lang="zh-CN" altLang="en-US"/>
           </a:p>
@@ -4394,7 +4394,7 @@
           <a:p>
             <a:fld id="{02E60DA2-A0BC-48C9-AA88-75C78721B420}" type="datetimeFigureOut">
               <a:rPr lang="zh-CN" altLang="en-US" smtClean="0"/>
-              <a:t>2018/5/14</a:t>
+              <a:t>2018/5/17</a:t>
             </a:fld>
             <a:endParaRPr lang="zh-CN" altLang="en-US"/>
           </a:p>
@@ -4693,7 +4693,7 @@
           <a:p>
             <a:fld id="{02E60DA2-A0BC-48C9-AA88-75C78721B420}" type="datetimeFigureOut">
               <a:rPr lang="zh-CN" altLang="en-US" smtClean="0"/>
-              <a:t>2018/5/14</a:t>
+              <a:t>2018/5/17</a:t>
             </a:fld>
             <a:endParaRPr lang="zh-CN" altLang="en-US"/>
           </a:p>
@@ -4982,7 +4982,7 @@
           <a:p>
             <a:fld id="{02E60DA2-A0BC-48C9-AA88-75C78721B420}" type="datetimeFigureOut">
               <a:rPr lang="zh-CN" altLang="en-US" smtClean="0"/>
-              <a:t>2018/5/14</a:t>
+              <a:t>2018/5/17</a:t>
             </a:fld>
             <a:endParaRPr lang="zh-CN" altLang="en-US"/>
           </a:p>
@@ -5418,7 +5418,7 @@
           <a:p>
             <a:fld id="{02E60DA2-A0BC-48C9-AA88-75C78721B420}" type="datetimeFigureOut">
               <a:rPr lang="zh-CN" altLang="en-US" smtClean="0"/>
-              <a:t>2018/5/14</a:t>
+              <a:t>2018/5/17</a:t>
             </a:fld>
             <a:endParaRPr lang="zh-CN" altLang="en-US"/>
           </a:p>
@@ -5583,7 +5583,7 @@
           <a:p>
             <a:fld id="{02E60DA2-A0BC-48C9-AA88-75C78721B420}" type="datetimeFigureOut">
               <a:rPr lang="zh-CN" altLang="en-US" smtClean="0"/>
-              <a:t>2018/5/14</a:t>
+              <a:t>2018/5/17</a:t>
             </a:fld>
             <a:endParaRPr lang="zh-CN" altLang="en-US"/>
           </a:p>
@@ -5720,7 +5720,7 @@
           <a:p>
             <a:fld id="{02E60DA2-A0BC-48C9-AA88-75C78721B420}" type="datetimeFigureOut">
               <a:rPr lang="zh-CN" altLang="en-US" smtClean="0"/>
-              <a:t>2018/5/14</a:t>
+              <a:t>2018/5/17</a:t>
             </a:fld>
             <a:endParaRPr lang="zh-CN" altLang="en-US"/>
           </a:p>
@@ -6055,7 +6055,7 @@
           <a:p>
             <a:fld id="{02E60DA2-A0BC-48C9-AA88-75C78721B420}" type="datetimeFigureOut">
               <a:rPr lang="zh-CN" altLang="en-US" smtClean="0"/>
-              <a:t>2018/5/14</a:t>
+              <a:t>2018/5/17</a:t>
             </a:fld>
             <a:endParaRPr lang="zh-CN" altLang="en-US"/>
           </a:p>
@@ -6367,7 +6367,7 @@
           <a:p>
             <a:fld id="{02E60DA2-A0BC-48C9-AA88-75C78721B420}" type="datetimeFigureOut">
               <a:rPr lang="zh-CN" altLang="en-US" smtClean="0"/>
-              <a:t>2018/5/14</a:t>
+              <a:t>2018/5/17</a:t>
             </a:fld>
             <a:endParaRPr lang="zh-CN" altLang="en-US"/>
           </a:p>
@@ -8294,13 +8294,37 @@
               <a:rPr lang="zh-CN" altLang="en-US" sz="2400" dirty="0">
                 <a:latin typeface="Roboto Mono Light" pitchFamily="2" charset="0"/>
               </a:rPr>
-              <a:t>值都是真。</a:t>
+              <a:t>值都是</a:t>
+            </a:r>
+            <a:r>
+              <a:rPr lang="zh-CN" altLang="en-US" sz="2400">
+                <a:latin typeface="Roboto Mono Light" pitchFamily="2" charset="0"/>
+              </a:rPr>
+              <a:t>真。</a:t>
             </a:r>
             <a:endParaRPr lang="en-US" altLang="zh-CN" sz="2400" dirty="0">
               <a:latin typeface="Roboto Mono Light" pitchFamily="2" charset="0"/>
             </a:endParaRPr>
           </a:p>
           <a:p>
+            <a:r>
+              <a:rPr lang="zh-CN" altLang="en-US" sz="2400" dirty="0">
+                <a:latin typeface="Roboto Mono Light" pitchFamily="2" charset="0"/>
+              </a:rPr>
+              <a:t>示例：</a:t>
+            </a:r>
+            <a:r>
+              <a:rPr lang="en-US" altLang="zh-CN" sz="2400" dirty="0">
+                <a:latin typeface="Roboto Mono Light" pitchFamily="2" charset="0"/>
+              </a:rPr>
+              <a:t>echo  $((1&amp;&amp;0))  ;  echo $(( 2 || </a:t>
+            </a:r>
+            <a:r>
+              <a:rPr lang="en-US" altLang="zh-CN" sz="2400">
+                <a:latin typeface="Roboto Mono Light" pitchFamily="2" charset="0"/>
+              </a:rPr>
+              <a:t>0))</a:t>
+            </a:r>
             <a:endParaRPr lang="en-US" altLang="zh-CN" sz="2400" dirty="0">
               <a:latin typeface="Roboto Mono Light" pitchFamily="2" charset="0"/>
             </a:endParaRPr>
@@ -8310,36 +8334,13 @@
               <a:rPr lang="zh-CN" altLang="en-US" sz="2400" dirty="0">
                 <a:latin typeface="Roboto Mono Light" pitchFamily="2" charset="0"/>
               </a:rPr>
-              <a:t>示例：</a:t>
-            </a:r>
-            <a:r>
-              <a:rPr lang="en-US" altLang="zh-CN" sz="2400" dirty="0">
-                <a:latin typeface="Roboto Mono Light" pitchFamily="2" charset="0"/>
-              </a:rPr>
-              <a:t>echo  $((1&amp;&amp;0))  ;  echo $(( 2 || </a:t>
-            </a:r>
-            <a:r>
-              <a:rPr lang="en-US" altLang="zh-CN" sz="2400">
-                <a:latin typeface="Roboto Mono Light" pitchFamily="2" charset="0"/>
-              </a:rPr>
-              <a:t>0))</a:t>
+              <a:t>非数字格式逻辑运算：</a:t>
             </a:r>
             <a:endParaRPr lang="en-US" altLang="zh-CN" sz="2400" dirty="0">
               <a:latin typeface="Roboto Mono Light" pitchFamily="2" charset="0"/>
             </a:endParaRPr>
           </a:p>
           <a:p>
-            <a:r>
-              <a:rPr lang="zh-CN" altLang="en-US" sz="2400" dirty="0">
-                <a:latin typeface="Roboto Mono Light" pitchFamily="2" charset="0"/>
-              </a:rPr>
-              <a:t>非数字格式逻辑运算：</a:t>
-            </a:r>
-            <a:endParaRPr lang="en-US" altLang="zh-CN" sz="2400" dirty="0">
-              <a:latin typeface="Roboto Mono Light" pitchFamily="2" charset="0"/>
-            </a:endParaRPr>
-          </a:p>
-          <a:p>
             <a:pPr marL="457200" lvl="1" indent="0">
               <a:buNone/>
             </a:pPr>
@@ -8432,7 +8433,44 @@
               </a:rPr>
               <a:t>提示错误</a:t>
             </a:r>
-            <a:endParaRPr lang="en-US" altLang="zh-CN" dirty="0">
+            <a:endParaRPr lang="en-US" altLang="zh-CN">
+              <a:latin typeface="Roboto Mono Light" pitchFamily="2" charset="0"/>
+            </a:endParaRPr>
+          </a:p>
+          <a:p>
+            <a:pPr marL="457200" lvl="1" indent="0">
+              <a:buNone/>
+            </a:pPr>
+            <a:endParaRPr lang="en-US" altLang="zh-CN">
+              <a:latin typeface="Roboto Mono Light" pitchFamily="2" charset="0"/>
+            </a:endParaRPr>
+          </a:p>
+          <a:p>
+            <a:r>
+              <a:rPr lang="en-US" altLang="zh-CN" sz="2400">
+                <a:latin typeface="Roboto Mono Light" pitchFamily="2" charset="0"/>
+              </a:rPr>
+              <a:t>&amp;&amp; || !</a:t>
+            </a:r>
+            <a:r>
+              <a:rPr lang="zh-CN" altLang="en-US" sz="2400">
+                <a:latin typeface="Roboto Mono Light" pitchFamily="2" charset="0"/>
+              </a:rPr>
+              <a:t>运算往往和</a:t>
+            </a:r>
+            <a:r>
+              <a:rPr lang="en-US" altLang="zh-CN" sz="2400">
+                <a:latin typeface="Roboto Mono Light" pitchFamily="2" charset="0"/>
+              </a:rPr>
+              <a:t>if</a:t>
+            </a:r>
+            <a:r>
+              <a:rPr lang="zh-CN" altLang="en-US" sz="2400">
+                <a:latin typeface="Roboto Mono Light" pitchFamily="2" charset="0"/>
+              </a:rPr>
+              <a:t>语句配合使用。</a:t>
+            </a:r>
+            <a:endParaRPr lang="en-US" altLang="zh-CN" sz="2400" dirty="0">
               <a:latin typeface="Roboto Mono Light" pitchFamily="2" charset="0"/>
             </a:endParaRPr>
           </a:p>
@@ -9490,7 +9528,7 @@
               <a:rPr lang="zh-CN" altLang="en-US" sz="2400">
                 <a:latin typeface="Roboto Mono Light" pitchFamily="2" charset="0"/>
               </a:rPr>
-              <a:t>并输出参数个数，以及程序的名称和参数字符串</a:t>
+              <a:t>并输出程序的名称和参数字符串</a:t>
             </a:r>
             <a:endParaRPr lang="en-US" altLang="zh-CN" sz="2400">
               <a:latin typeface="Roboto Mono Light" pitchFamily="2" charset="0"/>
@@ -10011,6 +10049,33 @@
             </a:r>
             <a:endParaRPr lang="en-US" altLang="zh-CN" sz="2400"/>
           </a:p>
+          <a:p>
+            <a:r>
+              <a:rPr lang="en-US" altLang="zh-CN" sz="2400"/>
+              <a:t>$HOME</a:t>
+            </a:r>
+            <a:r>
+              <a:rPr lang="zh-CN" altLang="en-US" sz="2400"/>
+              <a:t>保存的是当前用户主目录，</a:t>
+            </a:r>
+            <a:r>
+              <a:rPr lang="en-US" altLang="zh-CN" sz="2400"/>
+              <a:t>shell</a:t>
+            </a:r>
+            <a:r>
+              <a:rPr lang="zh-CN" altLang="en-US" sz="2400"/>
+              <a:t>提供了快捷操作，使用字符</a:t>
+            </a:r>
+            <a:r>
+              <a:rPr lang="en-US" altLang="zh-CN" sz="2400"/>
+              <a:t>~</a:t>
+            </a:r>
+            <a:r>
+              <a:rPr lang="zh-CN" altLang="en-US" sz="2400"/>
+              <a:t>表示主目录。</a:t>
+            </a:r>
+            <a:endParaRPr lang="en-US" altLang="zh-CN" sz="2400"/>
+          </a:p>
         </p:txBody>
       </p:sp>
     </p:spTree>
@@ -10146,13 +10211,14 @@
           <p:cNvCxnSpPr>
             <a:cxnSpLocks/>
             <a:stCxn id="7" idx="3"/>
+            <a:endCxn id="11" idx="1"/>
           </p:cNvCxnSpPr>
           <p:nvPr/>
         </p:nvCxnSpPr>
         <p:spPr>
           <a:xfrm>
             <a:off x="3341077" y="2079171"/>
-            <a:ext cx="624254" cy="21368"/>
+            <a:ext cx="624254" cy="0"/>
           </a:xfrm>
           <a:prstGeom prst="straightConnector1">
             <a:avLst/>
@@ -10196,8 +10262,8 @@
         </p:nvSpPr>
         <p:spPr>
           <a:xfrm>
-            <a:off x="3965331" y="1821473"/>
-            <a:ext cx="3288323" cy="455719"/>
+            <a:off x="3965331" y="1653477"/>
+            <a:ext cx="3288323" cy="851388"/>
           </a:xfrm>
           <a:prstGeom prst="rect">
             <a:avLst/>
@@ -10228,7 +10294,7 @@
           <a:p>
             <a:pPr algn="ctr"/>
             <a:r>
-              <a:rPr lang="zh-CN" altLang="en-US" sz="2000" dirty="0">
+              <a:rPr lang="zh-CN" altLang="en-US" sz="2400" dirty="0">
                 <a:solidFill>
                   <a:schemeClr val="tx1">
                     <a:lumMod val="95000"/>
@@ -10258,8 +10324,8 @@
         </p:nvCxnSpPr>
         <p:spPr>
           <a:xfrm>
-            <a:off x="7253654" y="2049333"/>
-            <a:ext cx="624254" cy="15311"/>
+            <a:off x="7253654" y="2079171"/>
+            <a:ext cx="624254" cy="0"/>
           </a:xfrm>
           <a:prstGeom prst="straightConnector1">
             <a:avLst/>
@@ -10810,9 +10876,10 @@
               <a:t>shell</a:t>
             </a:r>
             <a:r>
-              <a:rPr lang="zh-CN" altLang="en-US" dirty="0"/>
-              <a:t>运行命令的文字描述</a:t>
-            </a:r>
+              <a:rPr lang="zh-CN" altLang="en-US"/>
+              <a:t>运行命令示例</a:t>
+            </a:r>
+            <a:endParaRPr lang="zh-CN" altLang="en-US" dirty="0"/>
           </a:p>
         </p:txBody>
       </p:sp>
@@ -10867,25 +10934,13 @@
               <a:rPr lang="zh-CN" altLang="en-US" sz="2400" dirty="0">
                 <a:latin typeface="Roboto Mono Light" pitchFamily="2" charset="0"/>
               </a:rPr>
-              <a:t>要对字符串进行解析，并确定命令名称，参数等信息。</a:t>
-            </a:r>
-            <a:r>
-              <a:rPr lang="en-US" altLang="zh-CN" sz="2400" dirty="0">
-                <a:latin typeface="Roboto Mono Light" pitchFamily="2" charset="0"/>
-              </a:rPr>
-              <a:t>shell</a:t>
-            </a:r>
-            <a:r>
-              <a:rPr lang="zh-CN" altLang="en-US" sz="2400" dirty="0">
-                <a:latin typeface="Roboto Mono Light" pitchFamily="2" charset="0"/>
-              </a:rPr>
-              <a:t>支持从文件读取文本逐条解释</a:t>
+              <a:t>要对字符串进行解析，并确定命令名称，参数等</a:t>
             </a:r>
             <a:r>
               <a:rPr lang="zh-CN" altLang="en-US" sz="2400">
                 <a:latin typeface="Roboto Mono Light" pitchFamily="2" charset="0"/>
               </a:rPr>
-              <a:t>执行。</a:t>
+              <a:t>信息。</a:t>
             </a:r>
             <a:endParaRPr lang="en-US" altLang="zh-CN" sz="2400" dirty="0">
               <a:latin typeface="Roboto Mono Light" pitchFamily="2" charset="0"/>
@@ -10905,10 +10960,28 @@
               <a:t>shell</a:t>
             </a:r>
             <a:r>
+              <a:rPr lang="zh-CN" altLang="en-US" sz="2400">
+                <a:latin typeface="Roboto Mono Light" pitchFamily="2" charset="0"/>
+              </a:rPr>
+              <a:t>要根据</a:t>
+            </a:r>
+            <a:r>
+              <a:rPr lang="en-US" altLang="zh-CN" sz="2400">
+                <a:latin typeface="Roboto Mono Light" pitchFamily="2" charset="0"/>
+              </a:rPr>
+              <a:t>PATH</a:t>
+            </a:r>
+            <a:r>
+              <a:rPr lang="zh-CN" altLang="en-US" sz="2400">
+                <a:latin typeface="Roboto Mono Light" pitchFamily="2" charset="0"/>
+              </a:rPr>
+              <a:t>环境变量设置的</a:t>
+            </a:r>
+            <a:r>
               <a:rPr lang="zh-CN" altLang="en-US" sz="2400" dirty="0">
                 <a:latin typeface="Roboto Mono Light" pitchFamily="2" charset="0"/>
               </a:rPr>
-              <a:t>要根据配置文件的搜索路径，从每个路径寻找命令，没有找到则提示错误信息，找到就调用</a:t>
+              <a:t>搜索路径，从每个路径寻找命令，没有找到则提示错误信息，找到就调用</a:t>
             </a:r>
             <a:r>
               <a:rPr lang="en-US" altLang="zh-CN" sz="2400" dirty="0">
@@ -11070,65 +11143,98 @@
           <a:p>
             <a:r>
               <a:rPr lang="zh-CN" altLang="en-US" sz="2400" dirty="0">
+                <a:solidFill>
+                  <a:srgbClr val="C00000"/>
+                </a:solidFill>
                 <a:latin typeface="Roboto Mono Light" pitchFamily="2" charset="0"/>
               </a:rPr>
               <a:t>注意：真正运行命令的不是</a:t>
             </a:r>
             <a:r>
               <a:rPr lang="en-US" altLang="zh-CN" sz="2400" dirty="0">
+                <a:solidFill>
+                  <a:srgbClr val="C00000"/>
+                </a:solidFill>
                 <a:latin typeface="Roboto Mono Light" pitchFamily="2" charset="0"/>
               </a:rPr>
               <a:t>shell</a:t>
             </a:r>
             <a:r>
               <a:rPr lang="zh-CN" altLang="en-US" sz="2400" dirty="0">
+                <a:solidFill>
+                  <a:srgbClr val="C00000"/>
+                </a:solidFill>
                 <a:latin typeface="Roboto Mono Light" pitchFamily="2" charset="0"/>
               </a:rPr>
               <a:t>，而是内核，</a:t>
             </a:r>
             <a:r>
               <a:rPr lang="en-US" altLang="zh-CN" sz="2400" dirty="0">
+                <a:solidFill>
+                  <a:srgbClr val="C00000"/>
+                </a:solidFill>
                 <a:latin typeface="Roboto Mono Light" pitchFamily="2" charset="0"/>
               </a:rPr>
               <a:t>shell</a:t>
             </a:r>
             <a:r>
               <a:rPr lang="zh-CN" altLang="en-US" sz="2400" dirty="0">
+                <a:solidFill>
+                  <a:srgbClr val="C00000"/>
+                </a:solidFill>
                 <a:latin typeface="Roboto Mono Light" pitchFamily="2" charset="0"/>
               </a:rPr>
               <a:t>去调用内核提供的接口，</a:t>
             </a:r>
             <a:r>
               <a:rPr lang="en-US" altLang="zh-CN" sz="2400" dirty="0">
+                <a:solidFill>
+                  <a:srgbClr val="C00000"/>
+                </a:solidFill>
                 <a:latin typeface="Roboto Mono Light" pitchFamily="2" charset="0"/>
               </a:rPr>
               <a:t>shell</a:t>
             </a:r>
             <a:r>
               <a:rPr lang="zh-CN" altLang="en-US" sz="2400" dirty="0">
+                <a:solidFill>
+                  <a:srgbClr val="C00000"/>
+                </a:solidFill>
                 <a:latin typeface="Roboto Mono Light" pitchFamily="2" charset="0"/>
               </a:rPr>
               <a:t>是调用</a:t>
             </a:r>
             <a:r>
               <a:rPr lang="en-US" altLang="zh-CN" sz="2400" dirty="0">
+                <a:solidFill>
+                  <a:srgbClr val="C00000"/>
+                </a:solidFill>
                 <a:latin typeface="Roboto Mono Light" pitchFamily="2" charset="0"/>
               </a:rPr>
               <a:t>fork</a:t>
             </a:r>
             <a:r>
               <a:rPr lang="zh-CN" altLang="en-US" sz="2400" dirty="0">
+                <a:solidFill>
+                  <a:srgbClr val="C00000"/>
+                </a:solidFill>
                 <a:latin typeface="Roboto Mono Light" pitchFamily="2" charset="0"/>
               </a:rPr>
               <a:t>创建子进程去运行</a:t>
             </a:r>
             <a:r>
               <a:rPr lang="zh-CN" altLang="en-US" sz="2400">
+                <a:solidFill>
+                  <a:srgbClr val="C00000"/>
+                </a:solidFill>
                 <a:latin typeface="Roboto Mono Light" pitchFamily="2" charset="0"/>
               </a:rPr>
               <a:t>命令。</a:t>
             </a:r>
             <a:endParaRPr lang="en-US" altLang="zh-CN" sz="2400" dirty="0">
+              <a:solidFill>
+                <a:srgbClr val="C00000"/>
+              </a:solidFill>
               <a:latin typeface="Roboto Mono Light" pitchFamily="2" charset="0"/>
             </a:endParaRPr>
           </a:p>
@@ -11294,31 +11400,37 @@
           </a:p>
           <a:p>
             <a:r>
-              <a:rPr lang="zh-CN" altLang="en-US" sz="2400" dirty="0"/>
+              <a:rPr lang="zh-CN" altLang="en-US" sz="2400" dirty="0">
+                <a:solidFill>
+                  <a:srgbClr val="C00000"/>
+                </a:solidFill>
+              </a:rPr>
               <a:t>注意：扩展通配符的是</a:t>
             </a:r>
             <a:r>
-              <a:rPr lang="en-US" altLang="zh-CN" sz="2400" dirty="0"/>
+              <a:rPr lang="en-US" altLang="zh-CN" sz="2400" dirty="0">
+                <a:solidFill>
+                  <a:srgbClr val="C00000"/>
+                </a:solidFill>
+              </a:rPr>
               <a:t>shell</a:t>
             </a:r>
             <a:r>
-              <a:rPr lang="zh-CN" altLang="en-US" sz="2400" dirty="0"/>
+              <a:rPr lang="zh-CN" altLang="en-US" sz="2400" dirty="0">
+                <a:solidFill>
+                  <a:srgbClr val="C00000"/>
+                </a:solidFill>
+              </a:rPr>
               <a:t>，不是命令自身，如果是命令本身实现的，那就每个命令都要实现。</a:t>
             </a:r>
+            <a:endParaRPr lang="en-US" altLang="zh-CN" sz="2400" dirty="0">
+              <a:solidFill>
+                <a:srgbClr val="C00000"/>
+              </a:solidFill>
+            </a:endParaRPr>
+          </a:p>
+          <a:p>
             <a:endParaRPr lang="en-US" altLang="zh-CN" sz="2400" dirty="0"/>
-          </a:p>
-          <a:p>
-            <a:endParaRPr lang="en-US" altLang="zh-CN" sz="2400" dirty="0"/>
-          </a:p>
-          <a:p>
-            <a:r>
-              <a:rPr lang="zh-CN" altLang="en-US" sz="2400" dirty="0"/>
-              <a:t>通配符在使用时会带来很多便利，但是有些特殊情况也要注意。</a:t>
-            </a:r>
-            <a:endParaRPr lang="en-US" altLang="zh-CN" sz="2400" dirty="0"/>
-          </a:p>
-          <a:p>
-            <a:endParaRPr lang="en-US" altLang="zh-CN" sz="2000" dirty="0"/>
           </a:p>
         </p:txBody>
       </p:sp>
@@ -11739,12 +11851,16 @@
               <a:t>另一种方式就是给脚本添加可执行权限：</a:t>
             </a:r>
             <a:r>
-              <a:rPr lang="en-US" altLang="zh-CN" sz="2400" dirty="0" err="1"/>
+              <a:rPr lang="en-US" altLang="zh-CN" sz="2400" err="1"/>
               <a:t>chmod</a:t>
             </a:r>
             <a:r>
+              <a:rPr lang="en-US" altLang="zh-CN" sz="2400"/>
+              <a:t> 755 </a:t>
+            </a:r>
+            <a:r>
               <a:rPr lang="en-US" altLang="zh-CN" sz="2400" dirty="0"/>
-              <a:t> +x [SCRIPT NAME]</a:t>
+              <a:t>[SCRIPT NAME]</a:t>
             </a:r>
           </a:p>
           <a:p>
